--- a/Milestone 6/Milestone 6.pptx
+++ b/Milestone 6/Milestone 6.pptx
@@ -14,8 +14,8 @@
     <p:sldId id="307" r:id="rId8"/>
     <p:sldId id="308" r:id="rId9"/>
     <p:sldId id="309" r:id="rId10"/>
-    <p:sldId id="310" r:id="rId11"/>
-    <p:sldId id="311" r:id="rId12"/>
+    <p:sldId id="311" r:id="rId11"/>
+    <p:sldId id="310" r:id="rId12"/>
     <p:sldId id="312" r:id="rId13"/>
     <p:sldId id="313" r:id="rId14"/>
     <p:sldId id="282" r:id="rId15"/>
@@ -324,7 +324,7 @@
               <a:pPr>
                 <a:defRPr/>
               </a:pPr>
-              <a:t>2018-03-26</a:t>
+              <a:t>2018-03-27</a:t>
             </a:fld>
             <a:endParaRPr lang="en-CA"/>
           </a:p>
@@ -551,7 +551,7 @@
               <a:pPr>
                 <a:defRPr/>
               </a:pPr>
-              <a:t>2018-03-26</a:t>
+              <a:t>2018-03-27</a:t>
             </a:fld>
             <a:endParaRPr lang="en-CA"/>
           </a:p>
@@ -788,7 +788,7 @@
               <a:pPr>
                 <a:defRPr/>
               </a:pPr>
-              <a:t>2018-03-26</a:t>
+              <a:t>2018-03-27</a:t>
             </a:fld>
             <a:endParaRPr lang="en-CA"/>
           </a:p>
@@ -1015,7 +1015,7 @@
               <a:pPr>
                 <a:defRPr/>
               </a:pPr>
-              <a:t>2018-03-26</a:t>
+              <a:t>2018-03-27</a:t>
             </a:fld>
             <a:endParaRPr lang="en-CA"/>
           </a:p>
@@ -1318,7 +1318,7 @@
               <a:pPr>
                 <a:defRPr/>
               </a:pPr>
-              <a:t>2018-03-26</a:t>
+              <a:t>2018-03-27</a:t>
             </a:fld>
             <a:endParaRPr lang="en-CA"/>
           </a:p>
@@ -1613,7 +1613,7 @@
               <a:pPr>
                 <a:defRPr/>
               </a:pPr>
-              <a:t>2018-03-26</a:t>
+              <a:t>2018-03-27</a:t>
             </a:fld>
             <a:endParaRPr lang="en-CA"/>
           </a:p>
@@ -2055,7 +2055,7 @@
               <a:pPr>
                 <a:defRPr/>
               </a:pPr>
-              <a:t>2018-03-26</a:t>
+              <a:t>2018-03-27</a:t>
             </a:fld>
             <a:endParaRPr lang="en-CA"/>
           </a:p>
@@ -2224,7 +2224,7 @@
               <a:pPr>
                 <a:defRPr/>
               </a:pPr>
-              <a:t>2018-03-26</a:t>
+              <a:t>2018-03-27</a:t>
             </a:fld>
             <a:endParaRPr lang="en-CA"/>
           </a:p>
@@ -2364,7 +2364,7 @@
               <a:pPr>
                 <a:defRPr/>
               </a:pPr>
-              <a:t>2018-03-26</a:t>
+              <a:t>2018-03-27</a:t>
             </a:fld>
             <a:endParaRPr lang="en-CA"/>
           </a:p>
@@ -2704,7 +2704,7 @@
               <a:pPr>
                 <a:defRPr/>
               </a:pPr>
-              <a:t>2018-03-26</a:t>
+              <a:t>2018-03-27</a:t>
             </a:fld>
             <a:endParaRPr lang="en-CA"/>
           </a:p>
@@ -3023,7 +3023,7 @@
               <a:pPr>
                 <a:defRPr/>
               </a:pPr>
-              <a:t>2018-03-26</a:t>
+              <a:t>2018-03-27</a:t>
             </a:fld>
             <a:endParaRPr lang="en-CA"/>
           </a:p>
@@ -3375,7 +3375,7 @@
               <a:pPr>
                 <a:defRPr/>
               </a:pPr>
-              <a:t>2018-03-26</a:t>
+              <a:t>2018-03-27</a:t>
             </a:fld>
             <a:endParaRPr lang="en-CA"/>
           </a:p>
@@ -4163,7 +4163,7 @@
           <p:cNvPr id="2" name="Picture 1">
             <a:extLst>
               <a:ext uri="{FF2B5EF4-FFF2-40B4-BE49-F238E27FC236}">
-                <a16:creationId xmlns:a16="http://schemas.microsoft.com/office/drawing/2014/main" id="{B195A671-82EC-426E-81AF-69A16FFF6216}"/>
+                <a16:creationId xmlns:a16="http://schemas.microsoft.com/office/drawing/2014/main" id="{2DDF1898-B96E-4F37-8492-E944D6CE04DA}"/>
               </a:ext>
             </a:extLst>
           </p:cNvPr>
@@ -4180,8 +4180,8 @@
         </p:blipFill>
         <p:spPr>
           <a:xfrm>
-            <a:off x="289453" y="2183854"/>
-            <a:ext cx="5459034" cy="3175636"/>
+            <a:off x="998719" y="1333301"/>
+            <a:ext cx="10194561" cy="2095699"/>
           </a:xfrm>
           <a:prstGeom prst="rect">
             <a:avLst/>
@@ -4193,7 +4193,7 @@
           <p:cNvPr id="3" name="Picture 2">
             <a:extLst>
               <a:ext uri="{FF2B5EF4-FFF2-40B4-BE49-F238E27FC236}">
-                <a16:creationId xmlns:a16="http://schemas.microsoft.com/office/drawing/2014/main" id="{B90DC1F0-C74E-4340-AB66-F965CBF898CD}"/>
+                <a16:creationId xmlns:a16="http://schemas.microsoft.com/office/drawing/2014/main" id="{BFDF3D8F-F91E-4423-AE4A-117083E49DFE}"/>
               </a:ext>
             </a:extLst>
           </p:cNvPr>
@@ -4210,8 +4210,8 @@
         </p:blipFill>
         <p:spPr>
           <a:xfrm>
-            <a:off x="6096000" y="2183854"/>
-            <a:ext cx="5806547" cy="3175636"/>
+            <a:off x="998719" y="3958961"/>
+            <a:ext cx="10194561" cy="2391890"/>
           </a:xfrm>
           <a:prstGeom prst="rect">
             <a:avLst/>
@@ -4221,7 +4221,7 @@
     </p:spTree>
     <p:extLst>
       <p:ext uri="{BB962C8B-B14F-4D97-AF65-F5344CB8AC3E}">
-        <p14:creationId xmlns:p14="http://schemas.microsoft.com/office/powerpoint/2010/main" val="431010410"/>
+        <p14:creationId xmlns:p14="http://schemas.microsoft.com/office/powerpoint/2010/main" val="600286407"/>
       </p:ext>
     </p:extLst>
   </p:cSld>
@@ -4288,7 +4288,7 @@
           <p:cNvPr id="2" name="Picture 1">
             <a:extLst>
               <a:ext uri="{FF2B5EF4-FFF2-40B4-BE49-F238E27FC236}">
-                <a16:creationId xmlns:a16="http://schemas.microsoft.com/office/drawing/2014/main" id="{2DDF1898-B96E-4F37-8492-E944D6CE04DA}"/>
+                <a16:creationId xmlns:a16="http://schemas.microsoft.com/office/drawing/2014/main" id="{B195A671-82EC-426E-81AF-69A16FFF6216}"/>
               </a:ext>
             </a:extLst>
           </p:cNvPr>
@@ -4305,8 +4305,8 @@
         </p:blipFill>
         <p:spPr>
           <a:xfrm>
-            <a:off x="998719" y="1333301"/>
-            <a:ext cx="10194561" cy="2095699"/>
+            <a:off x="289453" y="2183854"/>
+            <a:ext cx="5459034" cy="3175636"/>
           </a:xfrm>
           <a:prstGeom prst="rect">
             <a:avLst/>
@@ -4318,7 +4318,7 @@
           <p:cNvPr id="3" name="Picture 2">
             <a:extLst>
               <a:ext uri="{FF2B5EF4-FFF2-40B4-BE49-F238E27FC236}">
-                <a16:creationId xmlns:a16="http://schemas.microsoft.com/office/drawing/2014/main" id="{BFDF3D8F-F91E-4423-AE4A-117083E49DFE}"/>
+                <a16:creationId xmlns:a16="http://schemas.microsoft.com/office/drawing/2014/main" id="{B90DC1F0-C74E-4340-AB66-F965CBF898CD}"/>
               </a:ext>
             </a:extLst>
           </p:cNvPr>
@@ -4335,8 +4335,8 @@
         </p:blipFill>
         <p:spPr>
           <a:xfrm>
-            <a:off x="998719" y="3958961"/>
-            <a:ext cx="10194561" cy="2391890"/>
+            <a:off x="6096000" y="2183854"/>
+            <a:ext cx="5806547" cy="3175636"/>
           </a:xfrm>
           <a:prstGeom prst="rect">
             <a:avLst/>
@@ -4346,7 +4346,7 @@
     </p:spTree>
     <p:extLst>
       <p:ext uri="{BB962C8B-B14F-4D97-AF65-F5344CB8AC3E}">
-        <p14:creationId xmlns:p14="http://schemas.microsoft.com/office/powerpoint/2010/main" val="600286407"/>
+        <p14:creationId xmlns:p14="http://schemas.microsoft.com/office/powerpoint/2010/main" val="431010410"/>
       </p:ext>
     </p:extLst>
   </p:cSld>
@@ -5484,7 +5484,7 @@
           <p:nvPr>
             <p:extLst>
               <p:ext uri="{D42A27DB-BD31-4B8C-83A1-F6EECF244321}">
-                <p14:modId xmlns:p14="http://schemas.microsoft.com/office/powerpoint/2010/main" val="4039741049"/>
+                <p14:modId xmlns:p14="http://schemas.microsoft.com/office/powerpoint/2010/main" val="754695234"/>
               </p:ext>
             </p:extLst>
           </p:nvPr>
@@ -5734,7 +5734,7 @@
                     <a:p>
                       <a:r>
                         <a:rPr lang="en-CA" sz="2200" dirty="0"/>
-                        <a:t>Revision controls</a:t>
+                        <a:t>Revision control</a:t>
                       </a:r>
                     </a:p>
                   </a:txBody>
@@ -5800,7 +5800,7 @@
                     <a:p>
                       <a:r>
                         <a:rPr lang="en-CA" sz="2200" dirty="0"/>
-                        <a:t>Efficient collaboration on documentation files</a:t>
+                        <a:t>Improvement of collaboration on documentation files</a:t>
                       </a:r>
                     </a:p>
                   </a:txBody>
@@ -6451,7 +6451,7 @@
             </a:pPr>
             <a:r>
               <a:rPr lang="en-US" dirty="0"/>
-              <a:t>We exceeded our expectations for the MVP. This would allow features from a theoretical Release 3 to be implemented ahead of schedule.</a:t>
+              <a:t>We exceeded our expectations for the MVP. This success would allow features from a theoretical Release 3 to be implemented ahead of schedule.</a:t>
             </a:r>
           </a:p>
           <a:p>
@@ -6463,7 +6463,7 @@
             </a:pPr>
             <a:r>
               <a:rPr lang="en-US" dirty="0"/>
-              <a:t>There were no major issues between group members. All members communicated quickly and contributed to project development.</a:t>
+              <a:t>There were no major issues between group members. All members communicated quickly and contributed to the project’s development.</a:t>
             </a:r>
           </a:p>
           <a:p>
@@ -6499,7 +6499,7 @@
             </a:pPr>
             <a:r>
               <a:rPr lang="en-US" dirty="0"/>
-              <a:t>We believe that more practice would allow us to reduce the amount of time generating supporting documents like idea sheets and lo-fi prototypes.</a:t>
+              <a:t>We believe that more practice would allow us to reduce the amount of time spent generating supporting documents like idea sheets and lo-fi prototypes.</a:t>
             </a:r>
           </a:p>
           <a:p>
